--- a/instructions/QIIME2.pptx
+++ b/instructions/QIIME2.pptx
@@ -249,7 +249,7 @@
           <a:p>
             <a:fld id="{B310209D-86A0-C041-8ED8-75882419F2CF}" type="datetimeFigureOut">
               <a:rPr lang="en-CH" smtClean="0"/>
-              <a:t>23.03.23</a:t>
+              <a:t>28.03.23</a:t>
             </a:fld>
             <a:endParaRPr lang="en-CH"/>
           </a:p>
@@ -447,7 +447,7 @@
           <a:p>
             <a:fld id="{B310209D-86A0-C041-8ED8-75882419F2CF}" type="datetimeFigureOut">
               <a:rPr lang="en-CH" smtClean="0"/>
-              <a:t>23.03.23</a:t>
+              <a:t>28.03.23</a:t>
             </a:fld>
             <a:endParaRPr lang="en-CH"/>
           </a:p>
@@ -627,7 +627,7 @@
           <a:p>
             <a:fld id="{B310209D-86A0-C041-8ED8-75882419F2CF}" type="datetimeFigureOut">
               <a:rPr lang="en-CH" smtClean="0"/>
-              <a:t>23.03.23</a:t>
+              <a:t>28.03.23</a:t>
             </a:fld>
             <a:endParaRPr lang="en-CH"/>
           </a:p>
@@ -856,7 +856,7 @@
           <a:p>
             <a:fld id="{1D8BD707-D9CF-40AE-B4C6-C98DA3205C09}" type="datetimeFigureOut">
               <a:rPr lang="en-US"/>
-              <a:t>3/23/23</a:t>
+              <a:t>3/28/23</a:t>
             </a:fld>
             <a:endParaRPr lang="en-US"/>
           </a:p>
@@ -1016,7 +1016,7 @@
           <a:p>
             <a:fld id="{B310209D-86A0-C041-8ED8-75882419F2CF}" type="datetimeFigureOut">
               <a:rPr lang="en-CH" smtClean="0"/>
-              <a:t>23.03.23</a:t>
+              <a:t>28.03.23</a:t>
             </a:fld>
             <a:endParaRPr lang="en-CH"/>
           </a:p>
@@ -1260,7 +1260,7 @@
           <a:p>
             <a:fld id="{B310209D-86A0-C041-8ED8-75882419F2CF}" type="datetimeFigureOut">
               <a:rPr lang="en-CH" smtClean="0"/>
-              <a:t>23.03.23</a:t>
+              <a:t>28.03.23</a:t>
             </a:fld>
             <a:endParaRPr lang="en-CH"/>
           </a:p>
@@ -1492,7 +1492,7 @@
           <a:p>
             <a:fld id="{B310209D-86A0-C041-8ED8-75882419F2CF}" type="datetimeFigureOut">
               <a:rPr lang="en-CH" smtClean="0"/>
-              <a:t>23.03.23</a:t>
+              <a:t>28.03.23</a:t>
             </a:fld>
             <a:endParaRPr lang="en-CH"/>
           </a:p>
@@ -1859,7 +1859,7 @@
           <a:p>
             <a:fld id="{B310209D-86A0-C041-8ED8-75882419F2CF}" type="datetimeFigureOut">
               <a:rPr lang="en-CH" smtClean="0"/>
-              <a:t>23.03.23</a:t>
+              <a:t>28.03.23</a:t>
             </a:fld>
             <a:endParaRPr lang="en-CH"/>
           </a:p>
@@ -1977,7 +1977,7 @@
           <a:p>
             <a:fld id="{B310209D-86A0-C041-8ED8-75882419F2CF}" type="datetimeFigureOut">
               <a:rPr lang="en-CH" smtClean="0"/>
-              <a:t>23.03.23</a:t>
+              <a:t>28.03.23</a:t>
             </a:fld>
             <a:endParaRPr lang="en-CH"/>
           </a:p>
@@ -2072,7 +2072,7 @@
           <a:p>
             <a:fld id="{B310209D-86A0-C041-8ED8-75882419F2CF}" type="datetimeFigureOut">
               <a:rPr lang="en-CH" smtClean="0"/>
-              <a:t>23.03.23</a:t>
+              <a:t>28.03.23</a:t>
             </a:fld>
             <a:endParaRPr lang="en-CH"/>
           </a:p>
@@ -2349,7 +2349,7 @@
           <a:p>
             <a:fld id="{B310209D-86A0-C041-8ED8-75882419F2CF}" type="datetimeFigureOut">
               <a:rPr lang="en-CH" smtClean="0"/>
-              <a:t>23.03.23</a:t>
+              <a:t>28.03.23</a:t>
             </a:fld>
             <a:endParaRPr lang="en-CH"/>
           </a:p>
@@ -2606,7 +2606,7 @@
           <a:p>
             <a:fld id="{B310209D-86A0-C041-8ED8-75882419F2CF}" type="datetimeFigureOut">
               <a:rPr lang="en-CH" smtClean="0"/>
-              <a:t>23.03.23</a:t>
+              <a:t>28.03.23</a:t>
             </a:fld>
             <a:endParaRPr lang="en-CH"/>
           </a:p>
@@ -2819,7 +2819,7 @@
           <a:p>
             <a:fld id="{B310209D-86A0-C041-8ED8-75882419F2CF}" type="datetimeFigureOut">
               <a:rPr lang="en-CH" smtClean="0"/>
-              <a:t>23.03.23</a:t>
+              <a:t>28.03.23</a:t>
             </a:fld>
             <a:endParaRPr lang="en-CH"/>
           </a:p>
@@ -5029,7 +5029,7 @@
         <p:spPr/>
         <p:txBody>
           <a:bodyPr>
-            <a:normAutofit fontScale="85000" lnSpcReduction="20000"/>
+            <a:normAutofit fontScale="70000" lnSpcReduction="20000"/>
           </a:bodyPr>
           <a:lstStyle/>
           <a:p>
@@ -5040,6 +5040,48 @@
           </a:p>
           <a:p>
             <a:endParaRPr lang="en-CH" dirty="0"/>
+          </a:p>
+          <a:p>
+            <a:pPr lvl="1"/>
+            <a:r>
+              <a:rPr lang="en-GB" b="1" dirty="0">
+                <a:solidFill>
+                  <a:srgbClr val="FF0000"/>
+                </a:solidFill>
+              </a:rPr>
+              <a:t>CORES</a:t>
+            </a:r>
+            <a:r>
+              <a:rPr lang="en-CH" b="1" dirty="0">
+                <a:solidFill>
+                  <a:srgbClr val="FF0000"/>
+                </a:solidFill>
+              </a:rPr>
+              <a:t>: 4</a:t>
+            </a:r>
+          </a:p>
+          <a:p>
+            <a:pPr lvl="1"/>
+            <a:r>
+              <a:rPr lang="en-CH" b="1" dirty="0">
+                <a:solidFill>
+                  <a:srgbClr val="FF0000"/>
+                </a:solidFill>
+              </a:rPr>
+              <a:t>RAM: 10</a:t>
+            </a:r>
+          </a:p>
+          <a:p>
+            <a:pPr lvl="1"/>
+            <a:r>
+              <a:rPr lang="en-CH" b="1" dirty="0">
+                <a:solidFill>
+                  <a:srgbClr val="FF0000"/>
+                </a:solidFill>
+              </a:rPr>
+              <a:t>SCRATCH: 10</a:t>
+            </a:r>
+            <a:endParaRPr lang="en-GB" dirty="0"/>
           </a:p>
           <a:p>
             <a:pPr lvl="1"/>
